--- a/3-october-4-introduction-to-css/3-october-4-introduction-to-css.pptx
+++ b/3-october-4-introduction-to-css/3-october-4-introduction-to-css.pptx
@@ -3705,27 +3705,8 @@
                 <a:ea typeface="Lato Black" panose="020F0502020204030203" pitchFamily="34" charset="0"/>
                 <a:cs typeface="Lato Black" panose="020F0502020204030203" pitchFamily="34" charset="0"/>
               </a:rPr>
-              <a:t>Week </a:t>
-            </a:r>
-            <a:r>
-              <a:rPr lang="en-US" sz="3200" dirty="0" smtClean="0">
-                <a:solidFill>
-                  <a:schemeClr val="bg1"/>
-                </a:solidFill>
-                <a:latin typeface="Lato Black" panose="020F0502020204030203" pitchFamily="34" charset="0"/>
-                <a:ea typeface="Lato Black" panose="020F0502020204030203" pitchFamily="34" charset="0"/>
-                <a:cs typeface="Lato Black" panose="020F0502020204030203" pitchFamily="34" charset="0"/>
-              </a:rPr>
-              <a:t>3: Introduction to CSS</a:t>
-            </a:r>
-            <a:endParaRPr lang="en-US" sz="3200" dirty="0" smtClean="0">
-              <a:solidFill>
-                <a:schemeClr val="bg1"/>
-              </a:solidFill>
-              <a:latin typeface="Lato Black" panose="020F0502020204030203" pitchFamily="34" charset="0"/>
-              <a:ea typeface="Lato Black" panose="020F0502020204030203" pitchFamily="34" charset="0"/>
-              <a:cs typeface="Lato Black" panose="020F0502020204030203" pitchFamily="34" charset="0"/>
-            </a:endParaRPr>
+              <a:t>Week 3: Introduction to CSS</a:t>
+            </a:r>
           </a:p>
           <a:p>
             <a:pPr>
@@ -3768,14 +3749,6 @@
               </a:rPr>
               <a:t>Oct 4</a:t>
             </a:r>
-            <a:endParaRPr lang="en-US" sz="2000" dirty="0" smtClean="0">
-              <a:solidFill>
-                <a:srgbClr val="E7E7ED"/>
-              </a:solidFill>
-              <a:latin typeface="Lato" panose="020F0502020204030203" pitchFamily="34" charset="0"/>
-              <a:ea typeface="Lato" panose="020F0502020204030203" pitchFamily="34" charset="0"/>
-              <a:cs typeface="Lato" panose="020F0502020204030203" pitchFamily="34" charset="0"/>
-            </a:endParaRPr>
           </a:p>
         </p:txBody>
       </p:sp>
@@ -4476,14 +4449,6 @@
               </a:rPr>
               <a:t>Specify which tag you want to style</a:t>
             </a:r>
-            <a:endParaRPr lang="en-US" dirty="0" smtClean="0">
-              <a:solidFill>
-                <a:schemeClr val="bg1"/>
-              </a:solidFill>
-              <a:latin typeface="Lato" panose="020F0502020204030203" pitchFamily="34" charset="0"/>
-              <a:ea typeface="Lato" panose="020F0502020204030203" pitchFamily="34" charset="0"/>
-              <a:cs typeface="Lato" panose="020F0502020204030203" pitchFamily="34" charset="0"/>
-            </a:endParaRPr>
           </a:p>
           <a:p>
             <a:pPr marL="457200" lvl="0" indent="-339725">
@@ -4503,18 +4468,7 @@
                 <a:ea typeface="Lato" panose="020F0502020204030203" pitchFamily="34" charset="0"/>
                 <a:cs typeface="Lato" panose="020F0502020204030203" pitchFamily="34" charset="0"/>
               </a:rPr>
-              <a:t>Between</a:t>
-            </a:r>
-            <a:r>
-              <a:rPr lang="en-US" dirty="0">
-                <a:solidFill>
-                  <a:schemeClr val="bg1"/>
-                </a:solidFill>
-                <a:latin typeface="Lato" panose="020F0502020204030203" pitchFamily="34" charset="0"/>
-                <a:ea typeface="Lato" panose="020F0502020204030203" pitchFamily="34" charset="0"/>
-                <a:cs typeface="Lato" panose="020F0502020204030203" pitchFamily="34" charset="0"/>
-              </a:rPr>
-              <a:t> the </a:t>
+              <a:t>Between the </a:t>
             </a:r>
             <a:r>
               <a:rPr lang="en-US" dirty="0">
@@ -6288,27 +6242,8 @@
                 <a:ea typeface="Lato Black" panose="020F0502020204030203" pitchFamily="34" charset="0"/>
                 <a:cs typeface="Lato Black" panose="020F0502020204030203" pitchFamily="34" charset="0"/>
               </a:rPr>
-              <a:t>Week </a:t>
-            </a:r>
-            <a:r>
-              <a:rPr lang="en-US" sz="3200" dirty="0" smtClean="0">
-                <a:solidFill>
-                  <a:schemeClr val="bg1"/>
-                </a:solidFill>
-                <a:latin typeface="Lato Black" panose="020F0502020204030203" pitchFamily="34" charset="0"/>
-                <a:ea typeface="Lato Black" panose="020F0502020204030203" pitchFamily="34" charset="0"/>
-                <a:cs typeface="Lato Black" panose="020F0502020204030203" pitchFamily="34" charset="0"/>
-              </a:rPr>
-              <a:t>3: Introduction to CSS</a:t>
-            </a:r>
-            <a:endParaRPr lang="en-US" sz="3200" dirty="0" smtClean="0">
-              <a:solidFill>
-                <a:schemeClr val="bg1"/>
-              </a:solidFill>
-              <a:latin typeface="Lato Black" panose="020F0502020204030203" pitchFamily="34" charset="0"/>
-              <a:ea typeface="Lato Black" panose="020F0502020204030203" pitchFamily="34" charset="0"/>
-              <a:cs typeface="Lato Black" panose="020F0502020204030203" pitchFamily="34" charset="0"/>
-            </a:endParaRPr>
+              <a:t>Week 3: Introduction to CSS</a:t>
+            </a:r>
           </a:p>
           <a:p>
             <a:pPr>
